--- a/dfexplanation.pptx
+++ b/dfexplanation.pptx
@@ -106,6 +106,11 @@
       </a:defRPr>
     </a:lvl9pPr>
   </p:defaultTextStyle>
+  <p:extLst>
+    <p:ext uri="{EFAFB233-063F-42B5-8137-9DF3F51BA10A}">
+      <p15:sldGuideLst xmlns:p15="http://schemas.microsoft.com/office/powerpoint/2012/main"/>
+    </p:ext>
+  </p:extLst>
 </p:presentation>
 </file>
 
@@ -3447,7 +3452,7 @@
         <p:spPr>
           <a:xfrm>
             <a:off x="5617029" y="254642"/>
-            <a:ext cx="7790212" cy="2554545"/>
+            <a:ext cx="7790212" cy="2800767"/>
           </a:xfrm>
           <a:prstGeom prst="rect">
             <a:avLst/>
@@ -3583,6 +3588,44 @@
             <a:r>
               <a:rPr lang="it-IT" sz="1600" dirty="0"/>
               <a:t>(class);</a:t>
+            </a:r>
+          </a:p>
+          <a:p>
+            <a:pPr marL="285750" indent="-285750">
+              <a:buFont typeface="Arial" panose="020B0604020202020204" pitchFamily="34" charset="0"/>
+              <a:buChar char="•"/>
+            </a:pPr>
+            <a:r>
+              <a:rPr lang="it-IT" sz="1600" dirty="0" err="1"/>
+              <a:t>Shoot</a:t>
+            </a:r>
+            <a:r>
+              <a:rPr lang="it-IT" sz="1600" dirty="0"/>
+              <a:t> ID (</a:t>
+            </a:r>
+            <a:r>
+              <a:rPr lang="it-IT" sz="1600" dirty="0" err="1"/>
+              <a:t>all</a:t>
+            </a:r>
+            <a:r>
+              <a:rPr lang="it-IT" sz="1600" dirty="0"/>
+              <a:t> the </a:t>
+            </a:r>
+            <a:r>
+              <a:rPr lang="it-IT" sz="1600" dirty="0" err="1"/>
+              <a:t>shoots</a:t>
+            </a:r>
+            <a:r>
+              <a:rPr lang="it-IT" sz="1600" dirty="0"/>
+              <a:t> </a:t>
+            </a:r>
+            <a:r>
+              <a:rPr lang="it-IT" sz="1600" dirty="0" err="1"/>
+              <a:t>sampled</a:t>
+            </a:r>
+            <a:r>
+              <a:rPr lang="it-IT" sz="1600" dirty="0"/>
+              <a:t> in 2021)</a:t>
             </a:r>
           </a:p>
           <a:p>
@@ -3914,7 +3957,7 @@
             </a:r>
             <a:r>
               <a:rPr lang="it-IT" sz="1600" dirty="0"/>
-              <a:t> ID</a:t>
+              <a:t> ID (JUST SHOOTS THAT WERE FOUND IN 2021)</a:t>
             </a:r>
           </a:p>
           <a:p>
@@ -4096,10 +4139,10 @@
       </p:pic>
       <p:pic>
         <p:nvPicPr>
-          <p:cNvPr id="10" name="Picture 9">
-            <a:extLst>
-              <a:ext uri="{FF2B5EF4-FFF2-40B4-BE49-F238E27FC236}">
-                <a16:creationId xmlns:a16="http://schemas.microsoft.com/office/drawing/2014/main" id="{57BC68D5-CC28-4A0F-8CAA-B00447F25F9A}"/>
+          <p:cNvPr id="3" name="Picture 2">
+            <a:extLst>
+              <a:ext uri="{FF2B5EF4-FFF2-40B4-BE49-F238E27FC236}">
+                <a16:creationId xmlns:a16="http://schemas.microsoft.com/office/drawing/2014/main" id="{04980377-1CF8-406D-B8E1-8C87CFA9463D}"/>
               </a:ext>
             </a:extLst>
           </p:cNvPr>
@@ -4116,8 +4159,8 @@
         </p:blipFill>
         <p:spPr>
           <a:xfrm>
-            <a:off x="226296" y="223390"/>
-            <a:ext cx="1576770" cy="1744265"/>
+            <a:off x="147706" y="111847"/>
+            <a:ext cx="1789768" cy="1996024"/>
           </a:xfrm>
           <a:prstGeom prst="rect">
             <a:avLst/>
@@ -4224,7 +4267,7 @@
         </p:blipFill>
         <p:spPr>
           <a:xfrm>
-            <a:off x="209375" y="263524"/>
+            <a:off x="132186" y="115570"/>
             <a:ext cx="1644834" cy="1943895"/>
           </a:xfrm>
           <a:prstGeom prst="rect">

--- a/dfexplanation.pptx
+++ b/dfexplanation.pptx
@@ -7,7 +7,8 @@
   <p:sldIdLst>
     <p:sldId id="256" r:id="rId2"/>
     <p:sldId id="258" r:id="rId3"/>
-    <p:sldId id="259" r:id="rId4"/>
+    <p:sldId id="260" r:id="rId4"/>
+    <p:sldId id="259" r:id="rId5"/>
   </p:sldIdLst>
   <p:sldSz cx="12192000" cy="6858000"/>
   <p:notesSz cx="6858000" cy="9144000"/>
@@ -263,7 +264,7 @@
           <a:p>
             <a:fld id="{5902E24C-9C18-4ED9-9637-B43EAC08055F}" type="datetimeFigureOut">
               <a:rPr lang="it-IT" smtClean="0"/>
-              <a:t>18/01/2022</a:t>
+              <a:t>21/01/2022</a:t>
             </a:fld>
             <a:endParaRPr lang="it-IT"/>
           </a:p>
@@ -463,7 +464,7 @@
           <a:p>
             <a:fld id="{5902E24C-9C18-4ED9-9637-B43EAC08055F}" type="datetimeFigureOut">
               <a:rPr lang="it-IT" smtClean="0"/>
-              <a:t>18/01/2022</a:t>
+              <a:t>21/01/2022</a:t>
             </a:fld>
             <a:endParaRPr lang="it-IT"/>
           </a:p>
@@ -673,7 +674,7 @@
           <a:p>
             <a:fld id="{5902E24C-9C18-4ED9-9637-B43EAC08055F}" type="datetimeFigureOut">
               <a:rPr lang="it-IT" smtClean="0"/>
-              <a:t>18/01/2022</a:t>
+              <a:t>21/01/2022</a:t>
             </a:fld>
             <a:endParaRPr lang="it-IT"/>
           </a:p>
@@ -873,7 +874,7 @@
           <a:p>
             <a:fld id="{5902E24C-9C18-4ED9-9637-B43EAC08055F}" type="datetimeFigureOut">
               <a:rPr lang="it-IT" smtClean="0"/>
-              <a:t>18/01/2022</a:t>
+              <a:t>21/01/2022</a:t>
             </a:fld>
             <a:endParaRPr lang="it-IT"/>
           </a:p>
@@ -1149,7 +1150,7 @@
           <a:p>
             <a:fld id="{5902E24C-9C18-4ED9-9637-B43EAC08055F}" type="datetimeFigureOut">
               <a:rPr lang="it-IT" smtClean="0"/>
-              <a:t>18/01/2022</a:t>
+              <a:t>21/01/2022</a:t>
             </a:fld>
             <a:endParaRPr lang="it-IT"/>
           </a:p>
@@ -1417,7 +1418,7 @@
           <a:p>
             <a:fld id="{5902E24C-9C18-4ED9-9637-B43EAC08055F}" type="datetimeFigureOut">
               <a:rPr lang="it-IT" smtClean="0"/>
-              <a:t>18/01/2022</a:t>
+              <a:t>21/01/2022</a:t>
             </a:fld>
             <a:endParaRPr lang="it-IT"/>
           </a:p>
@@ -1832,7 +1833,7 @@
           <a:p>
             <a:fld id="{5902E24C-9C18-4ED9-9637-B43EAC08055F}" type="datetimeFigureOut">
               <a:rPr lang="it-IT" smtClean="0"/>
-              <a:t>18/01/2022</a:t>
+              <a:t>21/01/2022</a:t>
             </a:fld>
             <a:endParaRPr lang="it-IT"/>
           </a:p>
@@ -1974,7 +1975,7 @@
           <a:p>
             <a:fld id="{5902E24C-9C18-4ED9-9637-B43EAC08055F}" type="datetimeFigureOut">
               <a:rPr lang="it-IT" smtClean="0"/>
-              <a:t>18/01/2022</a:t>
+              <a:t>21/01/2022</a:t>
             </a:fld>
             <a:endParaRPr lang="it-IT"/>
           </a:p>
@@ -2087,7 +2088,7 @@
           <a:p>
             <a:fld id="{5902E24C-9C18-4ED9-9637-B43EAC08055F}" type="datetimeFigureOut">
               <a:rPr lang="it-IT" smtClean="0"/>
-              <a:t>18/01/2022</a:t>
+              <a:t>21/01/2022</a:t>
             </a:fld>
             <a:endParaRPr lang="it-IT"/>
           </a:p>
@@ -2400,7 +2401,7 @@
           <a:p>
             <a:fld id="{5902E24C-9C18-4ED9-9637-B43EAC08055F}" type="datetimeFigureOut">
               <a:rPr lang="it-IT" smtClean="0"/>
-              <a:t>18/01/2022</a:t>
+              <a:t>21/01/2022</a:t>
             </a:fld>
             <a:endParaRPr lang="it-IT"/>
           </a:p>
@@ -2689,7 +2690,7 @@
           <a:p>
             <a:fld id="{5902E24C-9C18-4ED9-9637-B43EAC08055F}" type="datetimeFigureOut">
               <a:rPr lang="it-IT" smtClean="0"/>
-              <a:t>18/01/2022</a:t>
+              <a:t>21/01/2022</a:t>
             </a:fld>
             <a:endParaRPr lang="it-IT"/>
           </a:p>
@@ -2932,7 +2933,7 @@
           <a:p>
             <a:fld id="{5902E24C-9C18-4ED9-9637-B43EAC08055F}" type="datetimeFigureOut">
               <a:rPr lang="it-IT" smtClean="0"/>
-              <a:t>18/01/2022</a:t>
+              <a:t>21/01/2022</a:t>
             </a:fld>
             <a:endParaRPr lang="it-IT"/>
           </a:p>
@@ -3349,46 +3350,6 @@
           <a:chExt cx="0" cy="0"/>
         </a:xfrm>
       </p:grpSpPr>
-      <p:pic>
-        <p:nvPicPr>
-          <p:cNvPr id="5" name="Picture 4">
-            <a:extLst>
-              <a:ext uri="{FF2B5EF4-FFF2-40B4-BE49-F238E27FC236}">
-                <a16:creationId xmlns:a16="http://schemas.microsoft.com/office/drawing/2014/main" id="{4E4E3447-D93D-4816-8FCD-66E14EA70BC6}"/>
-              </a:ext>
-            </a:extLst>
-          </p:cNvPr>
-          <p:cNvPicPr>
-            <a:picLocks noChangeAspect="1"/>
-          </p:cNvPicPr>
-          <p:nvPr/>
-        </p:nvPicPr>
-        <p:blipFill rotWithShape="1">
-          <a:blip r:embed="rId2">
-            <a:clrChange>
-              <a:clrFrom>
-                <a:srgbClr val="191919"/>
-              </a:clrFrom>
-              <a:clrTo>
-                <a:srgbClr val="191919">
-                  <a:alpha val="0"/>
-                </a:srgbClr>
-              </a:clrTo>
-            </a:clrChange>
-          </a:blip>
-          <a:srcRect l="11998" t="5947" b="16899"/>
-          <a:stretch/>
-        </p:blipFill>
-        <p:spPr>
-          <a:xfrm>
-            <a:off x="308757" y="263524"/>
-            <a:ext cx="1620982" cy="1663998"/>
-          </a:xfrm>
-          <a:prstGeom prst="rect">
-            <a:avLst/>
-          </a:prstGeom>
-        </p:spPr>
-      </p:pic>
       <p:sp>
         <p:nvSpPr>
           <p:cNvPr id="6" name="Rectangle 5">
@@ -3452,7 +3413,7 @@
         <p:spPr>
           <a:xfrm>
             <a:off x="5617029" y="254642"/>
-            <a:ext cx="7790212" cy="2800767"/>
+            <a:ext cx="7790212" cy="2554545"/>
           </a:xfrm>
           <a:prstGeom prst="rect">
             <a:avLst/>
@@ -3597,35 +3558,19 @@
             </a:pPr>
             <a:r>
               <a:rPr lang="it-IT" sz="1600" dirty="0" err="1"/>
-              <a:t>Shoot</a:t>
+              <a:t>Number</a:t>
             </a:r>
             <a:r>
               <a:rPr lang="it-IT" sz="1600" dirty="0"/>
-              <a:t> ID (</a:t>
+              <a:t> of </a:t>
             </a:r>
             <a:r>
               <a:rPr lang="it-IT" sz="1600" dirty="0" err="1"/>
-              <a:t>all</a:t>
+              <a:t>nodes</a:t>
             </a:r>
             <a:r>
               <a:rPr lang="it-IT" sz="1600" dirty="0"/>
-              <a:t> the </a:t>
-            </a:r>
-            <a:r>
-              <a:rPr lang="it-IT" sz="1600" dirty="0" err="1"/>
-              <a:t>shoots</a:t>
-            </a:r>
-            <a:r>
-              <a:rPr lang="it-IT" sz="1600" dirty="0"/>
-              <a:t> </a:t>
-            </a:r>
-            <a:r>
-              <a:rPr lang="it-IT" sz="1600" dirty="0" err="1"/>
-              <a:t>sampled</a:t>
-            </a:r>
-            <a:r>
-              <a:rPr lang="it-IT" sz="1600" dirty="0"/>
-              <a:t> in 2021)</a:t>
+              <a:t>;</a:t>
             </a:r>
           </a:p>
           <a:p>
@@ -3643,11 +3588,27 @@
             </a:r>
             <a:r>
               <a:rPr lang="it-IT" sz="1600" dirty="0" err="1"/>
-              <a:t>nodes</a:t>
+              <a:t>buds</a:t>
             </a:r>
             <a:r>
               <a:rPr lang="it-IT" sz="1600" dirty="0"/>
-              <a:t>;</a:t>
+              <a:t> per </a:t>
+            </a:r>
+            <a:r>
+              <a:rPr lang="it-IT" sz="1600" dirty="0" err="1"/>
+              <a:t>eac</a:t>
+            </a:r>
+            <a:r>
+              <a:rPr lang="it-IT" sz="1600" dirty="0"/>
+              <a:t> </a:t>
+            </a:r>
+            <a:r>
+              <a:rPr lang="it-IT" sz="1600" dirty="0" err="1"/>
+              <a:t>type</a:t>
+            </a:r>
+            <a:r>
+              <a:rPr lang="it-IT" sz="1600" dirty="0"/>
+              <a:t> (C,V,M,B);</a:t>
             </a:r>
           </a:p>
           <a:p>
@@ -3661,31 +3622,7 @@
             </a:r>
             <a:r>
               <a:rPr lang="it-IT" sz="1600" dirty="0"/>
-              <a:t> of </a:t>
-            </a:r>
-            <a:r>
-              <a:rPr lang="it-IT" sz="1600" dirty="0" err="1"/>
-              <a:t>buds</a:t>
-            </a:r>
-            <a:r>
-              <a:rPr lang="it-IT" sz="1600" dirty="0"/>
-              <a:t> per </a:t>
-            </a:r>
-            <a:r>
-              <a:rPr lang="it-IT" sz="1600" dirty="0" err="1"/>
-              <a:t>eac</a:t>
-            </a:r>
-            <a:r>
-              <a:rPr lang="it-IT" sz="1600" dirty="0"/>
-              <a:t> </a:t>
-            </a:r>
-            <a:r>
-              <a:rPr lang="it-IT" sz="1600" dirty="0" err="1"/>
-              <a:t>type</a:t>
-            </a:r>
-            <a:r>
-              <a:rPr lang="it-IT" sz="1600" dirty="0"/>
-              <a:t> (C,V,M,B);</a:t>
+              <a:t> of clusters;</a:t>
             </a:r>
           </a:p>
           <a:p>
@@ -3699,20 +3636,6 @@
             </a:r>
             <a:r>
               <a:rPr lang="it-IT" sz="1600" dirty="0"/>
-              <a:t> of clusters;</a:t>
-            </a:r>
-          </a:p>
-          <a:p>
-            <a:pPr marL="285750" indent="-285750">
-              <a:buFont typeface="Arial" panose="020B0604020202020204" pitchFamily="34" charset="0"/>
-              <a:buChar char="•"/>
-            </a:pPr>
-            <a:r>
-              <a:rPr lang="it-IT" sz="1600" dirty="0" err="1"/>
-              <a:t>Number</a:t>
-            </a:r>
-            <a:r>
-              <a:rPr lang="it-IT" sz="1600" dirty="0"/>
               <a:t> of nuts;</a:t>
             </a:r>
           </a:p>
@@ -3724,6 +3647,36 @@
             <a:extLst>
               <a:ext uri="{FF2B5EF4-FFF2-40B4-BE49-F238E27FC236}">
                 <a16:creationId xmlns:a16="http://schemas.microsoft.com/office/drawing/2014/main" id="{DF226AAB-0A6D-46C6-AD9D-DEFD38FEFDE4}"/>
+              </a:ext>
+            </a:extLst>
+          </p:cNvPr>
+          <p:cNvPicPr>
+            <a:picLocks noChangeAspect="1"/>
+          </p:cNvPicPr>
+          <p:nvPr/>
+        </p:nvPicPr>
+        <p:blipFill>
+          <a:blip r:embed="rId2"/>
+          <a:stretch>
+            <a:fillRect/>
+          </a:stretch>
+        </p:blipFill>
+        <p:spPr>
+          <a:xfrm>
+            <a:off x="2671763" y="2836405"/>
+            <a:ext cx="6555947" cy="3766953"/>
+          </a:xfrm>
+          <a:prstGeom prst="rect">
+            <a:avLst/>
+          </a:prstGeom>
+        </p:spPr>
+      </p:pic>
+      <p:pic>
+        <p:nvPicPr>
+          <p:cNvPr id="8" name="Picture 7">
+            <a:extLst>
+              <a:ext uri="{FF2B5EF4-FFF2-40B4-BE49-F238E27FC236}">
+                <a16:creationId xmlns:a16="http://schemas.microsoft.com/office/drawing/2014/main" id="{24B7786D-6301-4DBA-8D04-4E17FF19F790}"/>
               </a:ext>
             </a:extLst>
           </p:cNvPr>
@@ -3740,8 +3693,8 @@
         </p:blipFill>
         <p:spPr>
           <a:xfrm>
-            <a:off x="2671763" y="2836405"/>
-            <a:ext cx="6555947" cy="3766953"/>
+            <a:off x="272460" y="245736"/>
+            <a:ext cx="1648055" cy="2410161"/>
           </a:xfrm>
           <a:prstGeom prst="rect">
             <a:avLst/>
@@ -3957,7 +3910,7 @@
             </a:r>
             <a:r>
               <a:rPr lang="it-IT" sz="1600" dirty="0"/>
-              <a:t> ID (JUST SHOOTS THAT WERE FOUND IN 2021)</a:t>
+              <a:t> ID</a:t>
             </a:r>
           </a:p>
           <a:p>
@@ -4142,7 +4095,7 @@
           <p:cNvPr id="3" name="Picture 2">
             <a:extLst>
               <a:ext uri="{FF2B5EF4-FFF2-40B4-BE49-F238E27FC236}">
-                <a16:creationId xmlns:a16="http://schemas.microsoft.com/office/drawing/2014/main" id="{04980377-1CF8-406D-B8E1-8C87CFA9463D}"/>
+                <a16:creationId xmlns:a16="http://schemas.microsoft.com/office/drawing/2014/main" id="{9A2128A7-1422-4D00-9CBF-8EA810EE270E}"/>
               </a:ext>
             </a:extLst>
           </p:cNvPr>
@@ -4159,8 +4112,8 @@
         </p:blipFill>
         <p:spPr>
           <a:xfrm>
-            <a:off x="147706" y="111847"/>
-            <a:ext cx="1789768" cy="1996024"/>
+            <a:off x="176369" y="172193"/>
+            <a:ext cx="1721650" cy="2236789"/>
           </a:xfrm>
           <a:prstGeom prst="rect">
             <a:avLst/>
@@ -4197,6 +4150,627 @@
           <a:chExt cx="0" cy="0"/>
         </a:xfrm>
       </p:grpSpPr>
+      <p:pic>
+        <p:nvPicPr>
+          <p:cNvPr id="3" name="Picture 2">
+            <a:extLst>
+              <a:ext uri="{FF2B5EF4-FFF2-40B4-BE49-F238E27FC236}">
+                <a16:creationId xmlns:a16="http://schemas.microsoft.com/office/drawing/2014/main" id="{784B8E3C-E077-4E0F-9A51-408EDDF83CEE}"/>
+              </a:ext>
+            </a:extLst>
+          </p:cNvPr>
+          <p:cNvPicPr>
+            <a:picLocks noChangeAspect="1"/>
+          </p:cNvPicPr>
+          <p:nvPr/>
+        </p:nvPicPr>
+        <p:blipFill>
+          <a:blip r:embed="rId2"/>
+          <a:stretch>
+            <a:fillRect/>
+          </a:stretch>
+        </p:blipFill>
+        <p:spPr>
+          <a:xfrm>
+            <a:off x="211259" y="151226"/>
+            <a:ext cx="2038244" cy="2122900"/>
+          </a:xfrm>
+          <a:prstGeom prst="rect">
+            <a:avLst/>
+          </a:prstGeom>
+        </p:spPr>
+      </p:pic>
+      <p:sp>
+        <p:nvSpPr>
+          <p:cNvPr id="4" name="Rectangle 3">
+            <a:extLst>
+              <a:ext uri="{FF2B5EF4-FFF2-40B4-BE49-F238E27FC236}">
+                <a16:creationId xmlns:a16="http://schemas.microsoft.com/office/drawing/2014/main" id="{936AE13A-DC09-4222-BA58-7D4C2BFA3308}"/>
+              </a:ext>
+            </a:extLst>
+          </p:cNvPr>
+          <p:cNvSpPr/>
+          <p:nvPr/>
+        </p:nvSpPr>
+        <p:spPr>
+          <a:xfrm>
+            <a:off x="2365271" y="151226"/>
+            <a:ext cx="3026278" cy="923330"/>
+          </a:xfrm>
+          <a:prstGeom prst="rect">
+            <a:avLst/>
+          </a:prstGeom>
+          <a:noFill/>
+        </p:spPr>
+        <p:txBody>
+          <a:bodyPr wrap="none" lIns="91440" tIns="45720" rIns="91440" bIns="45720">
+            <a:spAutoFit/>
+          </a:bodyPr>
+          <a:lstStyle/>
+          <a:p>
+            <a:pPr algn="ctr"/>
+            <a:r>
+              <a:rPr lang="en-US" sz="5400" dirty="0">
+                <a:ln w="0"/>
+                <a:effectLst>
+                  <a:outerShdw blurRad="38100" dist="19050" dir="2700000" algn="tl" rotWithShape="0">
+                    <a:schemeClr val="dk1">
+                      <a:alpha val="40000"/>
+                    </a:schemeClr>
+                  </a:outerShdw>
+                </a:effectLst>
+              </a:rPr>
+              <a:t>Buds</a:t>
+            </a:r>
+            <a:r>
+              <a:rPr lang="en-US" sz="5400" b="0" cap="none" spc="0" dirty="0">
+                <a:ln w="0"/>
+                <a:solidFill>
+                  <a:schemeClr val="tx1"/>
+                </a:solidFill>
+                <a:effectLst>
+                  <a:outerShdw blurRad="38100" dist="19050" dir="2700000" algn="tl" rotWithShape="0">
+                    <a:schemeClr val="dk1">
+                      <a:alpha val="40000"/>
+                    </a:schemeClr>
+                  </a:outerShdw>
+                </a:effectLst>
+              </a:rPr>
+              <a:t> level</a:t>
+            </a:r>
+          </a:p>
+        </p:txBody>
+      </p:sp>
+      <p:sp>
+        <p:nvSpPr>
+          <p:cNvPr id="7" name="TextBox 6">
+            <a:extLst>
+              <a:ext uri="{FF2B5EF4-FFF2-40B4-BE49-F238E27FC236}">
+                <a16:creationId xmlns:a16="http://schemas.microsoft.com/office/drawing/2014/main" id="{ADD1FFF3-9F2D-4187-B4EB-AECB4335C81B}"/>
+              </a:ext>
+            </a:extLst>
+          </p:cNvPr>
+          <p:cNvSpPr txBox="1"/>
+          <p:nvPr/>
+        </p:nvSpPr>
+        <p:spPr>
+          <a:xfrm>
+            <a:off x="6001660" y="87203"/>
+            <a:ext cx="5034097" cy="3046988"/>
+          </a:xfrm>
+          <a:prstGeom prst="rect">
+            <a:avLst/>
+          </a:prstGeom>
+          <a:solidFill>
+            <a:schemeClr val="bg1"/>
+          </a:solidFill>
+        </p:spPr>
+        <p:txBody>
+          <a:bodyPr wrap="square" rtlCol="0">
+            <a:spAutoFit/>
+          </a:bodyPr>
+          <a:lstStyle/>
+          <a:p>
+            <a:r>
+              <a:rPr lang="it-IT" sz="1200" dirty="0" err="1"/>
+              <a:t>Description</a:t>
+            </a:r>
+            <a:r>
+              <a:rPr lang="it-IT" sz="1200" dirty="0"/>
+              <a:t> of </a:t>
+            </a:r>
+            <a:r>
+              <a:rPr lang="it-IT" sz="1200" dirty="0" err="1"/>
+              <a:t>each</a:t>
+            </a:r>
+            <a:r>
+              <a:rPr lang="it-IT" sz="1200" dirty="0"/>
+              <a:t> </a:t>
+            </a:r>
+            <a:r>
+              <a:rPr lang="it-IT" sz="1200" dirty="0" err="1"/>
+              <a:t>bud</a:t>
+            </a:r>
+            <a:r>
+              <a:rPr lang="it-IT" sz="1200" dirty="0"/>
+              <a:t> </a:t>
+            </a:r>
+            <a:r>
+              <a:rPr lang="it-IT" sz="1200" dirty="0" err="1"/>
+              <a:t>composition</a:t>
+            </a:r>
+            <a:r>
+              <a:rPr lang="it-IT" sz="1200" dirty="0"/>
+              <a:t> in </a:t>
+            </a:r>
+            <a:r>
+              <a:rPr lang="it-IT" sz="1200" dirty="0" err="1"/>
+              <a:t>terms</a:t>
+            </a:r>
+            <a:r>
+              <a:rPr lang="it-IT" sz="1200" dirty="0"/>
+              <a:t> of:</a:t>
+            </a:r>
+          </a:p>
+          <a:p>
+            <a:pPr marL="285750" indent="-285750">
+              <a:buFont typeface="Arial" panose="020B0604020202020204" pitchFamily="34" charset="0"/>
+              <a:buChar char="•"/>
+            </a:pPr>
+            <a:r>
+              <a:rPr lang="it-IT" sz="1200" dirty="0"/>
+              <a:t>New </a:t>
+            </a:r>
+            <a:r>
+              <a:rPr lang="it-IT" sz="1200" dirty="0" err="1"/>
+              <a:t>shoot</a:t>
+            </a:r>
+            <a:r>
+              <a:rPr lang="it-IT" sz="1200" dirty="0"/>
+              <a:t> ID</a:t>
+            </a:r>
+          </a:p>
+          <a:p>
+            <a:pPr marL="285750" indent="-285750">
+              <a:buFont typeface="Arial" panose="020B0604020202020204" pitchFamily="34" charset="0"/>
+              <a:buChar char="•"/>
+            </a:pPr>
+            <a:r>
+              <a:rPr lang="it-IT" sz="1200" dirty="0" err="1"/>
+              <a:t>Year</a:t>
+            </a:r>
+            <a:r>
+              <a:rPr lang="it-IT" sz="1200" dirty="0"/>
+              <a:t> of </a:t>
+            </a:r>
+            <a:r>
+              <a:rPr lang="it-IT" sz="1200" dirty="0" err="1"/>
+              <a:t>parent</a:t>
+            </a:r>
+            <a:r>
+              <a:rPr lang="it-IT" sz="1200" dirty="0"/>
+              <a:t> sampling</a:t>
+            </a:r>
+          </a:p>
+          <a:p>
+            <a:pPr marL="285750" indent="-285750">
+              <a:buFont typeface="Arial" panose="020B0604020202020204" pitchFamily="34" charset="0"/>
+              <a:buChar char="•"/>
+            </a:pPr>
+            <a:r>
+              <a:rPr lang="it-IT" sz="1200" dirty="0"/>
+              <a:t>Not </a:t>
+            </a:r>
+            <a:r>
+              <a:rPr lang="it-IT" sz="1200" dirty="0" err="1"/>
+              <a:t>grafted</a:t>
+            </a:r>
+            <a:endParaRPr lang="it-IT" sz="1200" dirty="0"/>
+          </a:p>
+          <a:p>
+            <a:pPr marL="285750" indent="-285750">
+              <a:buFont typeface="Arial" panose="020B0604020202020204" pitchFamily="34" charset="0"/>
+              <a:buChar char="•"/>
+            </a:pPr>
+            <a:r>
+              <a:rPr lang="it-IT" sz="1200" dirty="0" err="1"/>
+              <a:t>Shoot</a:t>
+            </a:r>
+            <a:r>
+              <a:rPr lang="it-IT" sz="1200" dirty="0"/>
+              <a:t> ID</a:t>
+            </a:r>
+          </a:p>
+          <a:p>
+            <a:pPr marL="285750" indent="-285750">
+              <a:buFont typeface="Arial" panose="020B0604020202020204" pitchFamily="34" charset="0"/>
+              <a:buChar char="•"/>
+            </a:pPr>
+            <a:r>
+              <a:rPr lang="it-IT" sz="1200" dirty="0" err="1"/>
+              <a:t>Shoot</a:t>
+            </a:r>
+            <a:r>
+              <a:rPr lang="it-IT" sz="1200" dirty="0"/>
+              <a:t> </a:t>
+            </a:r>
+            <a:r>
+              <a:rPr lang="it-IT" sz="1200" dirty="0" err="1"/>
+              <a:t>length</a:t>
+            </a:r>
+            <a:r>
+              <a:rPr lang="it-IT" sz="1200" dirty="0"/>
+              <a:t>(cm);</a:t>
+            </a:r>
+          </a:p>
+          <a:p>
+            <a:pPr marL="285750" indent="-285750">
+              <a:buFont typeface="Arial" panose="020B0604020202020204" pitchFamily="34" charset="0"/>
+              <a:buChar char="•"/>
+            </a:pPr>
+            <a:r>
+              <a:rPr lang="it-IT" sz="1200" dirty="0" err="1"/>
+              <a:t>Metamer</a:t>
+            </a:r>
+            <a:r>
+              <a:rPr lang="it-IT" sz="1200" dirty="0"/>
+              <a:t> ID</a:t>
+            </a:r>
+          </a:p>
+          <a:p>
+            <a:pPr marL="285750" indent="-285750">
+              <a:buFont typeface="Arial" panose="020B0604020202020204" pitchFamily="34" charset="0"/>
+              <a:buChar char="•"/>
+            </a:pPr>
+            <a:r>
+              <a:rPr lang="it-IT" sz="1200" dirty="0" err="1"/>
+              <a:t>Number</a:t>
+            </a:r>
+            <a:r>
+              <a:rPr lang="it-IT" sz="1200" dirty="0"/>
+              <a:t> of </a:t>
+            </a:r>
+            <a:r>
+              <a:rPr lang="it-IT" sz="1200" dirty="0" err="1"/>
+              <a:t>other</a:t>
+            </a:r>
+            <a:r>
+              <a:rPr lang="it-IT" sz="1200" dirty="0"/>
+              <a:t> </a:t>
+            </a:r>
+            <a:r>
+              <a:rPr lang="it-IT" sz="1200" dirty="0" err="1"/>
+              <a:t>buds</a:t>
+            </a:r>
+            <a:r>
+              <a:rPr lang="it-IT" sz="1200" dirty="0"/>
+              <a:t> </a:t>
+            </a:r>
+            <a:r>
+              <a:rPr lang="it-IT" sz="1200" dirty="0" err="1"/>
+              <a:t>at</a:t>
+            </a:r>
+            <a:r>
+              <a:rPr lang="it-IT" sz="1200" dirty="0"/>
+              <a:t> the </a:t>
+            </a:r>
+            <a:r>
+              <a:rPr lang="it-IT" sz="1200" dirty="0" err="1"/>
+              <a:t>same</a:t>
+            </a:r>
+            <a:r>
+              <a:rPr lang="it-IT" sz="1200" dirty="0"/>
+              <a:t> </a:t>
+            </a:r>
+            <a:r>
+              <a:rPr lang="it-IT" sz="1200" dirty="0" err="1"/>
+              <a:t>node</a:t>
+            </a:r>
+            <a:r>
+              <a:rPr lang="it-IT" sz="1200" dirty="0"/>
+              <a:t>(C,V,M,B);</a:t>
+            </a:r>
+          </a:p>
+          <a:p>
+            <a:pPr marL="285750" indent="-285750">
+              <a:buFont typeface="Arial" panose="020B0604020202020204" pitchFamily="34" charset="0"/>
+              <a:buChar char="•"/>
+            </a:pPr>
+            <a:r>
+              <a:rPr lang="it-IT" sz="1200" dirty="0"/>
+              <a:t>Total </a:t>
+            </a:r>
+            <a:r>
+              <a:rPr lang="it-IT" sz="1200" dirty="0" err="1"/>
+              <a:t>buds</a:t>
+            </a:r>
+            <a:r>
+              <a:rPr lang="it-IT" sz="1200" dirty="0"/>
+              <a:t> per </a:t>
+            </a:r>
+            <a:r>
+              <a:rPr lang="it-IT" sz="1200" dirty="0" err="1"/>
+              <a:t>node</a:t>
+            </a:r>
+            <a:r>
+              <a:rPr lang="it-IT" sz="1200" dirty="0"/>
+              <a:t>;</a:t>
+            </a:r>
+          </a:p>
+          <a:p>
+            <a:pPr marL="285750" indent="-285750">
+              <a:buFont typeface="Arial" panose="020B0604020202020204" pitchFamily="34" charset="0"/>
+              <a:buChar char="•"/>
+            </a:pPr>
+            <a:r>
+              <a:rPr lang="it-IT" sz="1200" dirty="0" err="1"/>
+              <a:t>Number</a:t>
+            </a:r>
+            <a:r>
+              <a:rPr lang="it-IT" sz="1200" dirty="0"/>
+              <a:t> of </a:t>
+            </a:r>
+            <a:r>
+              <a:rPr lang="it-IT" sz="1200" dirty="0" err="1"/>
+              <a:t>Shoots</a:t>
+            </a:r>
+            <a:r>
+              <a:rPr lang="it-IT" sz="1200" dirty="0"/>
+              <a:t> </a:t>
+            </a:r>
+            <a:r>
+              <a:rPr lang="it-IT" sz="1200" dirty="0" err="1"/>
+              <a:t>developed</a:t>
+            </a:r>
+            <a:r>
+              <a:rPr lang="it-IT" sz="1200" dirty="0"/>
+              <a:t> </a:t>
+            </a:r>
+            <a:r>
+              <a:rPr lang="it-IT" sz="1200" dirty="0" err="1"/>
+              <a:t>at</a:t>
+            </a:r>
+            <a:r>
+              <a:rPr lang="it-IT" sz="1200" dirty="0"/>
+              <a:t> </a:t>
+            </a:r>
+            <a:r>
+              <a:rPr lang="it-IT" sz="1200" dirty="0" err="1"/>
+              <a:t>that</a:t>
+            </a:r>
+            <a:r>
+              <a:rPr lang="it-IT" sz="1200" dirty="0"/>
+              <a:t> </a:t>
+            </a:r>
+            <a:r>
+              <a:rPr lang="it-IT" sz="1200" dirty="0" err="1"/>
+              <a:t>rank</a:t>
+            </a:r>
+            <a:r>
+              <a:rPr lang="it-IT" sz="1200" dirty="0"/>
+              <a:t>;</a:t>
+            </a:r>
+          </a:p>
+          <a:p>
+            <a:pPr marL="285750" indent="-285750">
+              <a:buFont typeface="Arial" panose="020B0604020202020204" pitchFamily="34" charset="0"/>
+              <a:buChar char="•"/>
+            </a:pPr>
+            <a:r>
+              <a:rPr lang="it-IT" sz="1200" dirty="0"/>
+              <a:t>Fate of </a:t>
+            </a:r>
+            <a:r>
+              <a:rPr lang="it-IT" sz="1200" dirty="0" err="1"/>
+              <a:t>bud</a:t>
+            </a:r>
+            <a:r>
+              <a:rPr lang="it-IT" sz="1200" dirty="0"/>
+              <a:t> (one per </a:t>
+            </a:r>
+            <a:r>
+              <a:rPr lang="it-IT" sz="1200" dirty="0" err="1"/>
+              <a:t>each</a:t>
+            </a:r>
+            <a:r>
+              <a:rPr lang="it-IT" sz="1200" dirty="0"/>
+              <a:t> </a:t>
+            </a:r>
+            <a:r>
+              <a:rPr lang="it-IT" sz="1200" dirty="0" err="1"/>
+              <a:t>row</a:t>
+            </a:r>
+            <a:r>
+              <a:rPr lang="it-IT" sz="1200" dirty="0"/>
+              <a:t>)</a:t>
+            </a:r>
+          </a:p>
+          <a:p>
+            <a:pPr marL="285750" indent="-285750">
+              <a:buFont typeface="Arial" panose="020B0604020202020204" pitchFamily="34" charset="0"/>
+              <a:buChar char="•"/>
+            </a:pPr>
+            <a:r>
+              <a:rPr lang="it-IT" sz="1200" dirty="0"/>
+              <a:t>Position of the </a:t>
+            </a:r>
+            <a:r>
+              <a:rPr lang="it-IT" sz="1200" dirty="0" err="1"/>
+              <a:t>bud</a:t>
+            </a:r>
+            <a:r>
+              <a:rPr lang="it-IT" sz="1200" dirty="0"/>
+              <a:t> (</a:t>
+            </a:r>
+            <a:r>
+              <a:rPr lang="it-IT" sz="1200" dirty="0" err="1"/>
+              <a:t>apical</a:t>
+            </a:r>
+            <a:r>
+              <a:rPr lang="it-IT" sz="1200" dirty="0"/>
+              <a:t>/</a:t>
+            </a:r>
+            <a:r>
+              <a:rPr lang="it-IT" sz="1200" dirty="0" err="1"/>
+              <a:t>lateral</a:t>
+            </a:r>
+            <a:r>
+              <a:rPr lang="it-IT" sz="1200" dirty="0"/>
+              <a:t>)</a:t>
+            </a:r>
+          </a:p>
+          <a:p>
+            <a:pPr marL="285750" indent="-285750">
+              <a:buFont typeface="Arial" panose="020B0604020202020204" pitchFamily="34" charset="0"/>
+              <a:buChar char="•"/>
+            </a:pPr>
+            <a:r>
+              <a:rPr lang="it-IT" sz="1200" dirty="0" err="1"/>
+              <a:t>Length</a:t>
+            </a:r>
+            <a:r>
+              <a:rPr lang="it-IT" sz="1200" dirty="0"/>
+              <a:t> of new </a:t>
+            </a:r>
+            <a:r>
+              <a:rPr lang="it-IT" sz="1200" dirty="0" err="1"/>
+              <a:t>shoot</a:t>
+            </a:r>
+            <a:r>
+              <a:rPr lang="it-IT" sz="1200" dirty="0"/>
+              <a:t>(cm)</a:t>
+            </a:r>
+          </a:p>
+          <a:p>
+            <a:pPr marL="285750" indent="-285750">
+              <a:buFont typeface="Arial" panose="020B0604020202020204" pitchFamily="34" charset="0"/>
+              <a:buChar char="•"/>
+            </a:pPr>
+            <a:r>
+              <a:rPr lang="it-IT" sz="1200" dirty="0" err="1"/>
+              <a:t>Length</a:t>
+            </a:r>
+            <a:r>
+              <a:rPr lang="it-IT" sz="1200" dirty="0"/>
+              <a:t> of new </a:t>
+            </a:r>
+            <a:r>
+              <a:rPr lang="it-IT" sz="1200" dirty="0" err="1"/>
+              <a:t>shoot</a:t>
+            </a:r>
+            <a:r>
+              <a:rPr lang="it-IT" sz="1200" dirty="0"/>
+              <a:t>(class)</a:t>
+            </a:r>
+          </a:p>
+          <a:p>
+            <a:pPr marL="285750" indent="-285750">
+              <a:buFont typeface="Arial" panose="020B0604020202020204" pitchFamily="34" charset="0"/>
+              <a:buChar char="•"/>
+            </a:pPr>
+            <a:r>
+              <a:rPr lang="it-IT" sz="1200" dirty="0"/>
+              <a:t>Information </a:t>
+            </a:r>
+            <a:r>
+              <a:rPr lang="it-IT" sz="1200" dirty="0" err="1"/>
+              <a:t>regarding</a:t>
+            </a:r>
+            <a:r>
+              <a:rPr lang="it-IT" sz="1200" dirty="0"/>
+              <a:t>  </a:t>
+            </a:r>
+            <a:r>
+              <a:rPr lang="it-IT" sz="1200" dirty="0" err="1"/>
+              <a:t>each</a:t>
+            </a:r>
+            <a:r>
+              <a:rPr lang="it-IT" sz="1200" dirty="0"/>
+              <a:t> new </a:t>
+            </a:r>
+            <a:r>
+              <a:rPr lang="it-IT" sz="1200" dirty="0" err="1"/>
+              <a:t>shoot</a:t>
+            </a:r>
+            <a:r>
+              <a:rPr lang="it-IT" sz="1200" dirty="0"/>
+              <a:t> </a:t>
+            </a:r>
+            <a:r>
+              <a:rPr lang="it-IT" sz="1200" dirty="0" err="1"/>
+              <a:t>composition</a:t>
+            </a:r>
+            <a:endParaRPr lang="it-IT" sz="1200" dirty="0"/>
+          </a:p>
+          <a:p>
+            <a:pPr marL="285750" indent="-285750">
+              <a:buFont typeface="Arial" panose="020B0604020202020204" pitchFamily="34" charset="0"/>
+              <a:buChar char="•"/>
+            </a:pPr>
+            <a:endParaRPr lang="it-IT" sz="1200" dirty="0"/>
+          </a:p>
+        </p:txBody>
+      </p:sp>
+      <p:pic>
+        <p:nvPicPr>
+          <p:cNvPr id="9" name="Picture 8">
+            <a:extLst>
+              <a:ext uri="{FF2B5EF4-FFF2-40B4-BE49-F238E27FC236}">
+                <a16:creationId xmlns:a16="http://schemas.microsoft.com/office/drawing/2014/main" id="{67B737BE-C6B3-453E-9C98-17EE17CE26DA}"/>
+              </a:ext>
+            </a:extLst>
+          </p:cNvPr>
+          <p:cNvPicPr>
+            <a:picLocks noChangeAspect="1"/>
+          </p:cNvPicPr>
+          <p:nvPr/>
+        </p:nvPicPr>
+        <p:blipFill>
+          <a:blip r:embed="rId3"/>
+          <a:stretch>
+            <a:fillRect/>
+          </a:stretch>
+        </p:blipFill>
+        <p:spPr>
+          <a:xfrm>
+            <a:off x="0" y="3203338"/>
+            <a:ext cx="12192000" cy="2588882"/>
+          </a:xfrm>
+          <a:prstGeom prst="rect">
+            <a:avLst/>
+          </a:prstGeom>
+        </p:spPr>
+      </p:pic>
+    </p:spTree>
+    <p:extLst>
+      <p:ext uri="{BB962C8B-B14F-4D97-AF65-F5344CB8AC3E}">
+        <p14:creationId xmlns:p14="http://schemas.microsoft.com/office/powerpoint/2010/main" val="2343024585"/>
+      </p:ext>
+    </p:extLst>
+  </p:cSld>
+  <p:clrMapOvr>
+    <a:masterClrMapping/>
+  </p:clrMapOvr>
+</p:sld>
+</file>
+
+<file path=ppt/slides/slide4.xml><?xml version="1.0" encoding="utf-8"?>
+<p:sld xmlns:a="http://schemas.openxmlformats.org/drawingml/2006/main" xmlns:r="http://schemas.openxmlformats.org/officeDocument/2006/relationships" xmlns:p="http://schemas.openxmlformats.org/presentationml/2006/main">
+  <p:cSld>
+    <p:spTree>
+      <p:nvGrpSpPr>
+        <p:cNvPr id="1" name=""/>
+        <p:cNvGrpSpPr/>
+        <p:nvPr/>
+      </p:nvGrpSpPr>
+      <p:grpSpPr>
+        <a:xfrm>
+          <a:off x="0" y="0"/>
+          <a:ext cx="0" cy="0"/>
+          <a:chOff x="0" y="0"/>
+          <a:chExt cx="0" cy="0"/>
+        </a:xfrm>
+      </p:grpSpPr>
       <p:sp>
         <p:nvSpPr>
           <p:cNvPr id="6" name="Rectangle 5">
@@ -4267,7 +4841,7 @@
         </p:blipFill>
         <p:spPr>
           <a:xfrm>
-            <a:off x="132186" y="115570"/>
+            <a:off x="209375" y="164188"/>
             <a:ext cx="1644834" cy="1943895"/>
           </a:xfrm>
           <a:prstGeom prst="rect">
@@ -4277,10 +4851,10 @@
       </p:pic>
       <p:pic>
         <p:nvPicPr>
-          <p:cNvPr id="9" name="Picture 8">
-            <a:extLst>
-              <a:ext uri="{FF2B5EF4-FFF2-40B4-BE49-F238E27FC236}">
-                <a16:creationId xmlns:a16="http://schemas.microsoft.com/office/drawing/2014/main" id="{46E40362-6416-49FD-B409-F9E2DDDC6A38}"/>
+          <p:cNvPr id="5" name="Picture 4">
+            <a:extLst>
+              <a:ext uri="{FF2B5EF4-FFF2-40B4-BE49-F238E27FC236}">
+                <a16:creationId xmlns:a16="http://schemas.microsoft.com/office/drawing/2014/main" id="{A67B0F7A-BF29-4C97-95A0-4E1D7A7CC968}"/>
               </a:ext>
             </a:extLst>
           </p:cNvPr>
@@ -4297,8 +4871,8 @@
         </p:blipFill>
         <p:spPr>
           <a:xfrm>
-            <a:off x="424160" y="2100262"/>
-            <a:ext cx="10341862" cy="4332696"/>
+            <a:off x="342784" y="2300450"/>
+            <a:ext cx="9858499" cy="4037444"/>
           </a:xfrm>
           <a:prstGeom prst="rect">
             <a:avLst/>
@@ -4319,8 +4893,8 @@
         </p:nvSpPr>
         <p:spPr>
           <a:xfrm>
-            <a:off x="6815119" y="120245"/>
-            <a:ext cx="5034097" cy="3231654"/>
+            <a:off x="6446984" y="1100121"/>
+            <a:ext cx="5034097" cy="1015663"/>
           </a:xfrm>
           <a:prstGeom prst="rect">
             <a:avLst/>
@@ -4337,15 +4911,47 @@
           <a:p>
             <a:r>
               <a:rPr lang="it-IT" sz="1200" dirty="0" err="1"/>
-              <a:t>Description</a:t>
-            </a:r>
-            <a:r>
-              <a:rPr lang="it-IT" sz="1200" dirty="0"/>
-              <a:t> of </a:t>
-            </a:r>
-            <a:r>
-              <a:rPr lang="it-IT" sz="1200" dirty="0" err="1"/>
-              <a:t>each</a:t>
+              <a:t>This</a:t>
+            </a:r>
+            <a:r>
+              <a:rPr lang="it-IT" sz="1200" dirty="0"/>
+              <a:t> file </a:t>
+            </a:r>
+            <a:r>
+              <a:rPr lang="it-IT" sz="1200" dirty="0" err="1"/>
+              <a:t>has</a:t>
+            </a:r>
+            <a:r>
+              <a:rPr lang="it-IT" sz="1200" dirty="0"/>
+              <a:t> the </a:t>
+            </a:r>
+            <a:r>
+              <a:rPr lang="it-IT" sz="1200" dirty="0" err="1"/>
+              <a:t>same</a:t>
+            </a:r>
+            <a:r>
+              <a:rPr lang="it-IT" sz="1200" dirty="0"/>
+              <a:t> information of the </a:t>
+            </a:r>
+            <a:r>
+              <a:rPr lang="it-IT" sz="1200" dirty="0" err="1"/>
+              <a:t>previous</a:t>
+            </a:r>
+            <a:r>
+              <a:rPr lang="it-IT" sz="1200" dirty="0"/>
+              <a:t> (in </a:t>
+            </a:r>
+            <a:r>
+              <a:rPr lang="it-IT" sz="1200" dirty="0" err="1"/>
+              <a:t>terms</a:t>
+            </a:r>
+            <a:r>
+              <a:rPr lang="it-IT" sz="1200" dirty="0"/>
+              <a:t> of new </a:t>
+            </a:r>
+            <a:r>
+              <a:rPr lang="it-IT" sz="1200" dirty="0" err="1"/>
+              <a:t>shoots</a:t>
             </a:r>
             <a:r>
               <a:rPr lang="it-IT" sz="1200" dirty="0"/>
@@ -4353,7 +4959,15 @@
             </a:r>
             <a:r>
               <a:rPr lang="it-IT" sz="1200" dirty="0" err="1"/>
-              <a:t>metamer</a:t>
+              <a:t>details</a:t>
+            </a:r>
+            <a:r>
+              <a:rPr lang="it-IT" sz="1200" dirty="0"/>
+              <a:t>) </a:t>
+            </a:r>
+            <a:r>
+              <a:rPr lang="it-IT" sz="1200" dirty="0" err="1"/>
+              <a:t>but</a:t>
             </a:r>
             <a:r>
               <a:rPr lang="it-IT" sz="1200" dirty="0"/>
@@ -4361,84 +4975,7 @@
             </a:r>
             <a:r>
               <a:rPr lang="it-IT" sz="1200" dirty="0" err="1"/>
-              <a:t>composition</a:t>
-            </a:r>
-            <a:r>
-              <a:rPr lang="it-IT" sz="1200" dirty="0"/>
-              <a:t> in </a:t>
-            </a:r>
-            <a:r>
-              <a:rPr lang="it-IT" sz="1200" dirty="0" err="1"/>
-              <a:t>terms</a:t>
-            </a:r>
-            <a:r>
-              <a:rPr lang="it-IT" sz="1200" dirty="0"/>
-              <a:t> of:</a:t>
-            </a:r>
-          </a:p>
-          <a:p>
-            <a:pPr marL="285750" indent="-285750">
-              <a:buFont typeface="Arial" panose="020B0604020202020204" pitchFamily="34" charset="0"/>
-              <a:buChar char="•"/>
-            </a:pPr>
-            <a:r>
-              <a:rPr lang="it-IT" sz="1200" dirty="0"/>
-              <a:t>New </a:t>
-            </a:r>
-            <a:r>
-              <a:rPr lang="it-IT" sz="1200" dirty="0" err="1"/>
-              <a:t>shoot</a:t>
-            </a:r>
-            <a:r>
-              <a:rPr lang="it-IT" sz="1200" dirty="0"/>
-              <a:t> ID</a:t>
-            </a:r>
-          </a:p>
-          <a:p>
-            <a:pPr marL="285750" indent="-285750">
-              <a:buFont typeface="Arial" panose="020B0604020202020204" pitchFamily="34" charset="0"/>
-              <a:buChar char="•"/>
-            </a:pPr>
-            <a:r>
-              <a:rPr lang="it-IT" sz="1200" dirty="0"/>
-              <a:t>Not </a:t>
-            </a:r>
-            <a:r>
-              <a:rPr lang="it-IT" sz="1200" dirty="0" err="1"/>
-              <a:t>grafted</a:t>
-            </a:r>
-            <a:endParaRPr lang="it-IT" sz="1200" dirty="0"/>
-          </a:p>
-          <a:p>
-            <a:pPr marL="285750" indent="-285750">
-              <a:buFont typeface="Arial" panose="020B0604020202020204" pitchFamily="34" charset="0"/>
-              <a:buChar char="•"/>
-            </a:pPr>
-            <a:r>
-              <a:rPr lang="it-IT" sz="1200" dirty="0" err="1"/>
-              <a:t>Year</a:t>
-            </a:r>
-            <a:r>
-              <a:rPr lang="it-IT" sz="1200" dirty="0"/>
-              <a:t> of </a:t>
-            </a:r>
-            <a:r>
-              <a:rPr lang="it-IT" sz="1200" dirty="0" err="1"/>
-              <a:t>parent</a:t>
-            </a:r>
-            <a:r>
-              <a:rPr lang="it-IT" sz="1200" dirty="0"/>
-              <a:t> sampling</a:t>
-            </a:r>
-          </a:p>
-          <a:p>
-            <a:pPr marL="285750" indent="-285750">
-              <a:buFont typeface="Arial" panose="020B0604020202020204" pitchFamily="34" charset="0"/>
-              <a:buChar char="•"/>
-            </a:pPr>
-            <a:r>
-              <a:rPr lang="it-IT" sz="1200" dirty="0" err="1"/>
-              <a:t>Shoot</a:t>
+              <a:t>it</a:t>
             </a:r>
             <a:r>
               <a:rPr lang="it-IT" sz="1200" dirty="0"/>
@@ -4446,35 +4983,7 @@
             </a:r>
             <a:r>
               <a:rPr lang="it-IT" sz="1200" dirty="0" err="1"/>
-              <a:t>length</a:t>
-            </a:r>
-            <a:r>
-              <a:rPr lang="it-IT" sz="1200" dirty="0"/>
-              <a:t>(class);</a:t>
-            </a:r>
-          </a:p>
-          <a:p>
-            <a:pPr marL="285750" indent="-285750">
-              <a:buFont typeface="Arial" panose="020B0604020202020204" pitchFamily="34" charset="0"/>
-              <a:buChar char="•"/>
-            </a:pPr>
-            <a:r>
-              <a:rPr lang="it-IT" sz="1200" dirty="0" err="1"/>
-              <a:t>Shoot</a:t>
-            </a:r>
-            <a:r>
-              <a:rPr lang="it-IT" sz="1200" dirty="0"/>
-              <a:t> ID</a:t>
-            </a:r>
-          </a:p>
-          <a:p>
-            <a:pPr marL="285750" indent="-285750">
-              <a:buFont typeface="Arial" panose="020B0604020202020204" pitchFamily="34" charset="0"/>
-              <a:buChar char="•"/>
-            </a:pPr>
-            <a:r>
-              <a:rPr lang="it-IT" sz="1200" dirty="0" err="1"/>
-              <a:t>Shoot</a:t>
+              <a:t>contains</a:t>
             </a:r>
             <a:r>
               <a:rPr lang="it-IT" sz="1200" dirty="0"/>
@@ -4482,43 +4991,33 @@
             </a:r>
             <a:r>
               <a:rPr lang="it-IT" sz="1200" dirty="0" err="1"/>
-              <a:t>length</a:t>
-            </a:r>
-            <a:r>
-              <a:rPr lang="it-IT" sz="1200" dirty="0"/>
-              <a:t>(cm);</a:t>
-            </a:r>
-          </a:p>
-          <a:p>
-            <a:pPr marL="285750" indent="-285750">
-              <a:buFont typeface="Arial" panose="020B0604020202020204" pitchFamily="34" charset="0"/>
-              <a:buChar char="•"/>
-            </a:pPr>
-            <a:r>
-              <a:rPr lang="it-IT" sz="1200" dirty="0" err="1"/>
-              <a:t>Metamer</a:t>
-            </a:r>
-            <a:r>
-              <a:rPr lang="it-IT" sz="1200" dirty="0"/>
-              <a:t> ID</a:t>
-            </a:r>
-          </a:p>
-          <a:p>
-            <a:pPr marL="285750" indent="-285750">
-              <a:buFont typeface="Arial" panose="020B0604020202020204" pitchFamily="34" charset="0"/>
-              <a:buChar char="•"/>
-            </a:pPr>
-            <a:r>
-              <a:rPr lang="it-IT" sz="1200" dirty="0" err="1"/>
-              <a:t>Number</a:t>
-            </a:r>
-            <a:r>
-              <a:rPr lang="it-IT" sz="1200" dirty="0"/>
-              <a:t> of </a:t>
-            </a:r>
-            <a:r>
-              <a:rPr lang="it-IT" sz="1200" dirty="0" err="1"/>
-              <a:t>parents</a:t>
+              <a:t>also</a:t>
+            </a:r>
+            <a:r>
+              <a:rPr lang="it-IT" sz="1200" dirty="0"/>
+              <a:t> the </a:t>
+            </a:r>
+            <a:r>
+              <a:rPr lang="it-IT" sz="1200" dirty="0" err="1"/>
+              <a:t>errors</a:t>
+            </a:r>
+            <a:r>
+              <a:rPr lang="it-IT" sz="1200" dirty="0"/>
+              <a:t>. </a:t>
+            </a:r>
+          </a:p>
+          <a:p>
+            <a:r>
+              <a:rPr lang="it-IT" sz="1200" dirty="0" err="1"/>
+              <a:t>Errors</a:t>
+            </a:r>
+            <a:r>
+              <a:rPr lang="it-IT" sz="1200" dirty="0"/>
+              <a:t>= new </a:t>
+            </a:r>
+            <a:r>
+              <a:rPr lang="it-IT" sz="1200" dirty="0" err="1"/>
+              <a:t>shoots</a:t>
             </a:r>
             <a:r>
               <a:rPr lang="it-IT" sz="1200" dirty="0"/>
@@ -4526,15 +5025,15 @@
             </a:r>
             <a:r>
               <a:rPr lang="it-IT" sz="1200" dirty="0" err="1"/>
-              <a:t>buds</a:t>
-            </a:r>
-            <a:r>
-              <a:rPr lang="it-IT" sz="1200" dirty="0"/>
-              <a:t> per </a:t>
-            </a:r>
-            <a:r>
-              <a:rPr lang="it-IT" sz="1200" dirty="0" err="1"/>
-              <a:t>eac</a:t>
+              <a:t>that</a:t>
+            </a:r>
+            <a:r>
+              <a:rPr lang="it-IT" sz="1200" dirty="0"/>
+              <a:t> i </a:t>
+            </a:r>
+            <a:r>
+              <a:rPr lang="it-IT" sz="1200" dirty="0" err="1"/>
+              <a:t>can’t</a:t>
             </a:r>
             <a:r>
               <a:rPr lang="it-IT" sz="1200" dirty="0"/>
@@ -4542,47 +5041,15 @@
             </a:r>
             <a:r>
               <a:rPr lang="it-IT" sz="1200" dirty="0" err="1"/>
-              <a:t>rank</a:t>
-            </a:r>
-            <a:r>
-              <a:rPr lang="it-IT" sz="1200" dirty="0"/>
-              <a:t> (C,V,M,B);</a:t>
-            </a:r>
-          </a:p>
-          <a:p>
-            <a:pPr marL="285750" indent="-285750">
-              <a:buFont typeface="Arial" panose="020B0604020202020204" pitchFamily="34" charset="0"/>
-              <a:buChar char="•"/>
-            </a:pPr>
-            <a:r>
-              <a:rPr lang="it-IT" sz="1200" dirty="0"/>
-              <a:t>Total </a:t>
-            </a:r>
-            <a:r>
-              <a:rPr lang="it-IT" sz="1200" dirty="0" err="1"/>
-              <a:t>buds</a:t>
-            </a:r>
-            <a:r>
-              <a:rPr lang="it-IT" sz="1200" dirty="0"/>
-              <a:t> per parental </a:t>
-            </a:r>
-            <a:r>
-              <a:rPr lang="it-IT" sz="1200" dirty="0" err="1"/>
-              <a:t>rank</a:t>
-            </a:r>
-            <a:r>
-              <a:rPr lang="it-IT" sz="1200" dirty="0"/>
-              <a:t>;</a:t>
-            </a:r>
-          </a:p>
-          <a:p>
-            <a:pPr marL="285750" indent="-285750">
-              <a:buFont typeface="Arial" panose="020B0604020202020204" pitchFamily="34" charset="0"/>
-              <a:buChar char="•"/>
-            </a:pPr>
-            <a:r>
-              <a:rPr lang="it-IT" sz="1200" dirty="0" err="1"/>
-              <a:t>Shoots</a:t>
+              <a:t>explain</a:t>
+            </a:r>
+            <a:r>
+              <a:rPr lang="it-IT" sz="1200" dirty="0"/>
+              <a:t> from </a:t>
+            </a:r>
+            <a:r>
+              <a:rPr lang="it-IT" sz="1200" dirty="0" err="1"/>
+              <a:t>where</a:t>
             </a:r>
             <a:r>
               <a:rPr lang="it-IT" sz="1200" dirty="0"/>
@@ -4590,7 +5057,7 @@
             </a:r>
             <a:r>
               <a:rPr lang="it-IT" sz="1200" dirty="0" err="1"/>
-              <a:t>developed</a:t>
+              <a:t>they</a:t>
             </a:r>
             <a:r>
               <a:rPr lang="it-IT" sz="1200" dirty="0"/>
@@ -4598,7 +5065,15 @@
             </a:r>
             <a:r>
               <a:rPr lang="it-IT" sz="1200" dirty="0" err="1"/>
-              <a:t>at</a:t>
+              <a:t>came</a:t>
+            </a:r>
+            <a:r>
+              <a:rPr lang="it-IT" sz="1200" dirty="0"/>
+              <a:t> from. </a:t>
+            </a:r>
+            <a:r>
+              <a:rPr lang="it-IT" sz="1200" dirty="0" err="1"/>
+              <a:t>Assigned</a:t>
             </a:r>
             <a:r>
               <a:rPr lang="it-IT" sz="1200" dirty="0"/>
@@ -4606,177 +5081,12 @@
             </a:r>
             <a:r>
               <a:rPr lang="it-IT" sz="1200" dirty="0" err="1"/>
-              <a:t>that</a:t>
-            </a:r>
-            <a:r>
-              <a:rPr lang="it-IT" sz="1200" dirty="0"/>
-              <a:t> </a:t>
-            </a:r>
-            <a:r>
-              <a:rPr lang="it-IT" sz="1200" dirty="0" err="1"/>
-              <a:t>rank</a:t>
-            </a:r>
-            <a:r>
-              <a:rPr lang="it-IT" sz="1200" dirty="0"/>
-              <a:t>;</a:t>
-            </a:r>
-          </a:p>
-          <a:p>
-            <a:pPr marL="285750" indent="-285750">
-              <a:buFont typeface="Arial" panose="020B0604020202020204" pitchFamily="34" charset="0"/>
-              <a:buChar char="•"/>
-            </a:pPr>
-            <a:r>
-              <a:rPr lang="it-IT" sz="1200" dirty="0" err="1"/>
-              <a:t>Type</a:t>
-            </a:r>
-            <a:r>
-              <a:rPr lang="it-IT" sz="1200" dirty="0"/>
-              <a:t> of </a:t>
-            </a:r>
-            <a:r>
-              <a:rPr lang="it-IT" sz="1200" dirty="0" err="1"/>
-              <a:t>bud</a:t>
-            </a:r>
-            <a:r>
-              <a:rPr lang="it-IT" sz="1200" dirty="0"/>
-              <a:t> </a:t>
-            </a:r>
-            <a:r>
-              <a:rPr lang="it-IT" sz="1200" dirty="0" err="1"/>
-              <a:t>that</a:t>
-            </a:r>
-            <a:r>
-              <a:rPr lang="it-IT" sz="1200" dirty="0"/>
-              <a:t> </a:t>
-            </a:r>
-            <a:r>
-              <a:rPr lang="it-IT" sz="1200" dirty="0" err="1"/>
-              <a:t>burst</a:t>
-            </a:r>
-            <a:r>
-              <a:rPr lang="it-IT" sz="1200" dirty="0"/>
-              <a:t> in case of multiple </a:t>
-            </a:r>
-            <a:r>
-              <a:rPr lang="it-IT" sz="1200" dirty="0" err="1"/>
-              <a:t>buds</a:t>
-            </a:r>
-            <a:endParaRPr lang="it-IT" sz="1200" dirty="0"/>
-          </a:p>
-          <a:p>
-            <a:pPr marL="285750" indent="-285750">
-              <a:buFont typeface="Arial" panose="020B0604020202020204" pitchFamily="34" charset="0"/>
-              <a:buChar char="•"/>
-            </a:pPr>
-            <a:r>
-              <a:rPr lang="it-IT" sz="1200" dirty="0" err="1"/>
-              <a:t>Length</a:t>
-            </a:r>
-            <a:r>
-              <a:rPr lang="it-IT" sz="1200" dirty="0"/>
-              <a:t> of new </a:t>
-            </a:r>
-            <a:r>
-              <a:rPr lang="it-IT" sz="1200" dirty="0" err="1"/>
-              <a:t>shoot</a:t>
-            </a:r>
-            <a:r>
-              <a:rPr lang="it-IT" sz="1200" dirty="0"/>
-              <a:t>(cm)</a:t>
-            </a:r>
-          </a:p>
-          <a:p>
-            <a:pPr marL="285750" indent="-285750">
-              <a:buFont typeface="Arial" panose="020B0604020202020204" pitchFamily="34" charset="0"/>
-              <a:buChar char="•"/>
-            </a:pPr>
-            <a:r>
-              <a:rPr lang="it-IT" sz="1200" dirty="0" err="1"/>
-              <a:t>Length</a:t>
-            </a:r>
-            <a:r>
-              <a:rPr lang="it-IT" sz="1200" dirty="0"/>
-              <a:t> of new </a:t>
-            </a:r>
-            <a:r>
-              <a:rPr lang="it-IT" sz="1200" dirty="0" err="1"/>
-              <a:t>shoot</a:t>
-            </a:r>
-            <a:r>
-              <a:rPr lang="it-IT" sz="1200" dirty="0"/>
-              <a:t>(class)</a:t>
-            </a:r>
-          </a:p>
-          <a:p>
-            <a:pPr marL="285750" indent="-285750">
-              <a:buFont typeface="Arial" panose="020B0604020202020204" pitchFamily="34" charset="0"/>
-              <a:buChar char="•"/>
-            </a:pPr>
-            <a:r>
-              <a:rPr lang="it-IT" sz="1200" dirty="0"/>
-              <a:t>Total </a:t>
-            </a:r>
-            <a:r>
-              <a:rPr lang="it-IT" sz="1200" dirty="0" err="1"/>
-              <a:t>node</a:t>
-            </a:r>
-            <a:r>
-              <a:rPr lang="it-IT" sz="1200" dirty="0"/>
-              <a:t> of new </a:t>
-            </a:r>
-            <a:r>
-              <a:rPr lang="it-IT" sz="1200" dirty="0" err="1"/>
-              <a:t>shoots</a:t>
-            </a:r>
-            <a:endParaRPr lang="it-IT" sz="1200" dirty="0"/>
-          </a:p>
-          <a:p>
-            <a:pPr marL="285750" indent="-285750">
-              <a:buFont typeface="Arial" panose="020B0604020202020204" pitchFamily="34" charset="0"/>
-              <a:buChar char="•"/>
-            </a:pPr>
-            <a:r>
-              <a:rPr lang="it-IT" sz="1200" dirty="0"/>
-              <a:t>Information </a:t>
-            </a:r>
-            <a:r>
-              <a:rPr lang="it-IT" sz="1200" dirty="0" err="1"/>
-              <a:t>regarding</a:t>
-            </a:r>
-            <a:r>
-              <a:rPr lang="it-IT" sz="1200" dirty="0"/>
-              <a:t>  </a:t>
-            </a:r>
-            <a:r>
-              <a:rPr lang="it-IT" sz="1200" dirty="0" err="1"/>
-              <a:t>buds</a:t>
-            </a:r>
-            <a:r>
-              <a:rPr lang="it-IT" sz="1200" dirty="0"/>
-              <a:t> </a:t>
-            </a:r>
-            <a:r>
-              <a:rPr lang="it-IT" sz="1200" dirty="0" err="1"/>
-              <a:t>composition</a:t>
-            </a:r>
-            <a:r>
-              <a:rPr lang="it-IT" sz="1200" dirty="0"/>
-              <a:t> of </a:t>
-            </a:r>
-            <a:r>
-              <a:rPr lang="it-IT" sz="1200" dirty="0" err="1"/>
-              <a:t>each</a:t>
-            </a:r>
-            <a:r>
-              <a:rPr lang="it-IT" sz="1200" dirty="0"/>
-              <a:t> </a:t>
-            </a:r>
-            <a:r>
-              <a:rPr lang="it-IT" sz="1200" dirty="0" err="1"/>
-              <a:t>shoot</a:t>
-            </a:r>
-            <a:endParaRPr lang="it-IT" sz="1200" dirty="0"/>
+              <a:t>as</a:t>
+            </a:r>
+            <a:r>
+              <a:rPr lang="it-IT" sz="1200" dirty="0"/>
+              <a:t> «?»</a:t>
+            </a:r>
           </a:p>
           <a:p>
             <a:pPr marL="285750" indent="-285750">
@@ -4787,6 +5097,100 @@
           </a:p>
         </p:txBody>
       </p:sp>
+      <p:sp>
+        <p:nvSpPr>
+          <p:cNvPr id="10" name="Oval 9">
+            <a:extLst>
+              <a:ext uri="{FF2B5EF4-FFF2-40B4-BE49-F238E27FC236}">
+                <a16:creationId xmlns:a16="http://schemas.microsoft.com/office/drawing/2014/main" id="{B4F375E3-AB75-4B4F-B6BD-00397080BAF0}"/>
+              </a:ext>
+            </a:extLst>
+          </p:cNvPr>
+          <p:cNvSpPr/>
+          <p:nvPr/>
+        </p:nvSpPr>
+        <p:spPr>
+          <a:xfrm>
+            <a:off x="5314208" y="2300450"/>
+            <a:ext cx="653143" cy="4037444"/>
+          </a:xfrm>
+          <a:prstGeom prst="ellipse">
+            <a:avLst/>
+          </a:prstGeom>
+          <a:noFill/>
+          <a:ln>
+            <a:solidFill>
+              <a:srgbClr val="C00000"/>
+            </a:solidFill>
+          </a:ln>
+        </p:spPr>
+        <p:style>
+          <a:lnRef idx="2">
+            <a:schemeClr val="accent1">
+              <a:shade val="50000"/>
+            </a:schemeClr>
+          </a:lnRef>
+          <a:fillRef idx="1">
+            <a:schemeClr val="accent1"/>
+          </a:fillRef>
+          <a:effectRef idx="0">
+            <a:schemeClr val="accent1"/>
+          </a:effectRef>
+          <a:fontRef idx="minor">
+            <a:schemeClr val="lt1"/>
+          </a:fontRef>
+        </p:style>
+        <p:txBody>
+          <a:bodyPr rtlCol="0" anchor="ctr"/>
+          <a:lstStyle/>
+          <a:p>
+            <a:pPr algn="ctr"/>
+            <a:endParaRPr lang="it-IT"/>
+          </a:p>
+        </p:txBody>
+      </p:sp>
+      <p:cxnSp>
+        <p:nvCxnSpPr>
+          <p:cNvPr id="12" name="Straight Arrow Connector 11">
+            <a:extLst>
+              <a:ext uri="{FF2B5EF4-FFF2-40B4-BE49-F238E27FC236}">
+                <a16:creationId xmlns:a16="http://schemas.microsoft.com/office/drawing/2014/main" id="{1A43C37B-8CBF-452A-886C-ED38E6E9C759}"/>
+              </a:ext>
+            </a:extLst>
+          </p:cNvPr>
+          <p:cNvCxnSpPr/>
+          <p:nvPr/>
+        </p:nvCxnSpPr>
+        <p:spPr>
+          <a:xfrm flipH="1">
+            <a:off x="6044540" y="1882239"/>
+            <a:ext cx="770579" cy="706582"/>
+          </a:xfrm>
+          <a:prstGeom prst="straightConnector1">
+            <a:avLst/>
+          </a:prstGeom>
+          <a:ln>
+            <a:solidFill>
+              <a:srgbClr val="C00000"/>
+            </a:solidFill>
+            <a:tailEnd type="triangle"/>
+          </a:ln>
+        </p:spPr>
+        <p:style>
+          <a:lnRef idx="1">
+            <a:schemeClr val="accent1"/>
+          </a:lnRef>
+          <a:fillRef idx="0">
+            <a:schemeClr val="accent1"/>
+          </a:fillRef>
+          <a:effectRef idx="0">
+            <a:schemeClr val="accent1"/>
+          </a:effectRef>
+          <a:fontRef idx="minor">
+            <a:schemeClr val="tx1"/>
+          </a:fontRef>
+        </p:style>
+      </p:cxnSp>
     </p:spTree>
     <p:extLst>
       <p:ext uri="{BB962C8B-B14F-4D97-AF65-F5344CB8AC3E}">
